--- a/Later/Spring/4_Dependency_Injection/26/Setter Injection output generator.pptx
+++ b/Later/Spring/4_Dependency_Injection/26/Setter Injection output generator.pptx
@@ -3839,7 +3839,7 @@
         </p:blipFill>
         <p:spPr bwMode="auto">
           <a:xfrm>
-            <a:off x="2937668" y="2819400"/>
+            <a:off x="3505200" y="2781300"/>
             <a:ext cx="5215732" cy="2107227"/>
           </a:xfrm>
           <a:prstGeom prst="rect">
@@ -3892,6 +3892,150 @@
           </a:prstGeom>
         </p:spPr>
       </p:pic>
+      <p:sp>
+        <p:nvSpPr>
+          <p:cNvPr id="7" name="Rounded Rectangular Callout 6"/>
+          <p:cNvSpPr/>
+          <p:nvPr/>
+        </p:nvSpPr>
+        <p:spPr>
+          <a:xfrm>
+            <a:off x="184150" y="2781300"/>
+            <a:ext cx="2863850" cy="1943100"/>
+          </a:xfrm>
+          <a:prstGeom prst="wedgeRoundRectCallout">
+            <a:avLst>
+              <a:gd name="adj1" fmla="val 66613"/>
+              <a:gd name="adj2" fmla="val 22443"/>
+              <a:gd name="adj3" fmla="val 16667"/>
+            </a:avLst>
+          </a:prstGeom>
+          <a:ln w="3175"/>
+        </p:spPr>
+        <p:style>
+          <a:lnRef idx="2">
+            <a:schemeClr val="accent4"/>
+          </a:lnRef>
+          <a:fillRef idx="1">
+            <a:schemeClr val="lt1"/>
+          </a:fillRef>
+          <a:effectRef idx="0">
+            <a:schemeClr val="accent4"/>
+          </a:effectRef>
+          <a:fontRef idx="minor">
+            <a:schemeClr val="dk1"/>
+          </a:fontRef>
+        </p:style>
+        <p:txBody>
+          <a:bodyPr rtlCol="0" anchor="ctr"/>
+          <a:lstStyle/>
+          <a:p>
+            <a:pPr marL="171450" indent="-171450">
+              <a:buFont typeface="Wingdings" panose="05000000000000000000" pitchFamily="2" charset="2"/>
+              <a:buChar char="ü"/>
+            </a:pPr>
+            <a:endParaRPr lang="en-US" sz="1050" dirty="0" smtClean="0"/>
+          </a:p>
+          <a:p>
+            <a:pPr marL="171450" indent="-171450">
+              <a:buFont typeface="Wingdings" panose="05000000000000000000" pitchFamily="2" charset="2"/>
+              <a:buChar char="ü"/>
+            </a:pPr>
+            <a:r>
+              <a:rPr lang="en-US" sz="1050" dirty="0" smtClean="0"/>
+              <a:t>Setter injection is most </a:t>
+            </a:r>
+            <a:r>
+              <a:rPr lang="en-US" sz="1050" dirty="0"/>
+              <a:t>popular and simple DI method, it will injects the dependency via a setter method</a:t>
+            </a:r>
+            <a:endParaRPr lang="en-US" sz="1050" dirty="0" smtClean="0"/>
+          </a:p>
+          <a:p>
+            <a:pPr marL="171450" indent="-171450">
+              <a:buFont typeface="Wingdings" panose="05000000000000000000" pitchFamily="2" charset="2"/>
+              <a:buChar char="ü"/>
+            </a:pPr>
+            <a:endParaRPr lang="en-US" sz="1050" dirty="0"/>
+          </a:p>
+          <a:p>
+            <a:pPr marL="171450" indent="-171450">
+              <a:buFont typeface="Wingdings" panose="05000000000000000000" pitchFamily="2" charset="2"/>
+              <a:buChar char="ü"/>
+            </a:pPr>
+            <a:r>
+              <a:rPr lang="en-US" sz="1050" dirty="0" smtClean="0"/>
+              <a:t>A bean configuration file to declare the beans and set the dependency via setter injection (property tag).</a:t>
+            </a:r>
+            <a:endParaRPr lang="en-US" sz="1050" dirty="0"/>
+          </a:p>
+          <a:p>
+            <a:pPr marL="171450" indent="-171450">
+              <a:buFont typeface="Wingdings" panose="05000000000000000000" pitchFamily="2" charset="2"/>
+              <a:buChar char="ü"/>
+            </a:pPr>
+            <a:endParaRPr lang="en-US" sz="1050" dirty="0" smtClean="0"/>
+          </a:p>
+          <a:p>
+            <a:pPr marL="171450" indent="-171450">
+              <a:buFont typeface="Wingdings" panose="05000000000000000000" pitchFamily="2" charset="2"/>
+              <a:buChar char="ü"/>
+            </a:pPr>
+            <a:r>
+              <a:rPr lang="en-US" sz="1050" dirty="0"/>
+              <a:t> </a:t>
+            </a:r>
+            <a:r>
+              <a:rPr lang="en-US" sz="1050" dirty="0" smtClean="0"/>
+              <a:t>Injects </a:t>
+            </a:r>
+            <a:r>
+              <a:rPr lang="en-US" sz="1050" dirty="0"/>
+              <a:t>a </a:t>
+            </a:r>
+            <a:r>
+              <a:rPr lang="en-US" sz="1050" dirty="0" smtClean="0"/>
+              <a:t>‘</a:t>
+            </a:r>
+            <a:r>
+              <a:rPr lang="en-US" sz="1050" i="1" dirty="0"/>
+              <a:t>JsonOutputGenerator</a:t>
+            </a:r>
+            <a:r>
+              <a:rPr lang="en-US" sz="1050" dirty="0" smtClean="0"/>
+              <a:t>’ </a:t>
+            </a:r>
+            <a:r>
+              <a:rPr lang="en-US" sz="1050" dirty="0"/>
+              <a:t>bean into ‘</a:t>
+            </a:r>
+            <a:r>
+              <a:rPr lang="en-US" sz="1050" dirty="0"/>
+              <a:t>OutputHelper</a:t>
+            </a:r>
+            <a:r>
+              <a:rPr lang="en-US" sz="1050" dirty="0"/>
+              <a:t>’ object via a setter method (</a:t>
+            </a:r>
+            <a:r>
+              <a:rPr lang="en-US" sz="1050" dirty="0"/>
+              <a:t>setOutputGenerator</a:t>
+            </a:r>
+            <a:r>
+              <a:rPr lang="en-US" sz="1050" dirty="0"/>
+              <a:t>).</a:t>
+            </a:r>
+            <a:endParaRPr lang="en-US" sz="1050" dirty="0" smtClean="0"/>
+          </a:p>
+          <a:p>
+            <a:pPr marL="171450" indent="-171450">
+              <a:buFont typeface="Wingdings" panose="05000000000000000000" pitchFamily="2" charset="2"/>
+              <a:buChar char="ü"/>
+            </a:pPr>
+            <a:endParaRPr lang="en-US" sz="1050" dirty="0"/>
+          </a:p>
+        </p:txBody>
+      </p:sp>
     </p:spTree>
     <p:extLst>
       <p:ext uri="{BB962C8B-B14F-4D97-AF65-F5344CB8AC3E}">
